--- a/doc/MTP_Classes_usage.pptx
+++ b/doc/MTP_Classes_usage.pptx
@@ -4276,8 +4276,8 @@
         </p:nvSpPr>
         <p:spPr>
           <a:xfrm>
-            <a:off x="4619180" y="2828736"/>
-            <a:ext cx="1310389" cy="923330"/>
+            <a:off x="4630952" y="2668061"/>
+            <a:ext cx="1310389" cy="1200329"/>
           </a:xfrm>
           <a:prstGeom prst="rect">
             <a:avLst/>
@@ -4292,13 +4292,19 @@
           <a:p>
             <a:r>
               <a:rPr lang="en-US" dirty="0" smtClean="0"/>
-              <a:t>Scan Brightness </a:t>
+              <a:t>- Scan Brightness </a:t>
             </a:r>
           </a:p>
           <a:p>
             <a:r>
               <a:rPr lang="en-US" dirty="0" smtClean="0"/>
               <a:t>Temps</a:t>
+            </a:r>
+          </a:p>
+          <a:p>
+            <a:r>
+              <a:rPr lang="en-US" dirty="0" smtClean="0"/>
+              <a:t>- Altitude</a:t>
             </a:r>
             <a:endParaRPr lang="en-US" dirty="0"/>
           </a:p>
